--- a/Design Requirement/C1 Component Diagram.pptx
+++ b/Design Requirement/C1 Component Diagram.pptx
@@ -214,7 +214,7 @@
           <a:p>
             <a:fld id="{DB6CA646-4DB0-4081-BAF1-518ED8EEB214}" type="datetimeFigureOut">
               <a:rPr lang="en-IN" smtClean="0"/>
-              <a:t>29-02-2024</a:t>
+              <a:t>08-06-2024</a:t>
             </a:fld>
             <a:endParaRPr lang="en-IN" dirty="0"/>
           </a:p>
@@ -2407,7 +2407,7 @@
           <a:p>
             <a:fld id="{40BFCB34-1D3A-4E3D-AF01-87C69294AC55}" type="datetimeFigureOut">
               <a:rPr lang="en-IN" smtClean="0"/>
-              <a:t>29-02-2024</a:t>
+              <a:t>08-06-2024</a:t>
             </a:fld>
             <a:endParaRPr lang="en-IN" dirty="0"/>
           </a:p>
@@ -2607,7 +2607,7 @@
           <a:p>
             <a:fld id="{40BFCB34-1D3A-4E3D-AF01-87C69294AC55}" type="datetimeFigureOut">
               <a:rPr lang="en-IN" smtClean="0"/>
-              <a:t>29-02-2024</a:t>
+              <a:t>08-06-2024</a:t>
             </a:fld>
             <a:endParaRPr lang="en-IN" dirty="0"/>
           </a:p>
@@ -2817,7 +2817,7 @@
           <a:p>
             <a:fld id="{40BFCB34-1D3A-4E3D-AF01-87C69294AC55}" type="datetimeFigureOut">
               <a:rPr lang="en-IN" smtClean="0"/>
-              <a:t>29-02-2024</a:t>
+              <a:t>08-06-2024</a:t>
             </a:fld>
             <a:endParaRPr lang="en-IN" dirty="0"/>
           </a:p>
@@ -2930,7 +2930,7 @@
           <a:p>
             <a:fld id="{53685DBC-317F-4C6B-AEE2-0BEBDE6560A6}" type="datetimeFigureOut">
               <a:rPr lang="en-US" smtClean="0"/>
-              <a:t>2/29/2024</a:t>
+              <a:t>6/8/2024</a:t>
             </a:fld>
             <a:endParaRPr lang="en-US" dirty="0"/>
           </a:p>
@@ -3130,7 +3130,7 @@
           <a:p>
             <a:fld id="{40BFCB34-1D3A-4E3D-AF01-87C69294AC55}" type="datetimeFigureOut">
               <a:rPr lang="en-IN" smtClean="0"/>
-              <a:t>29-02-2024</a:t>
+              <a:t>08-06-2024</a:t>
             </a:fld>
             <a:endParaRPr lang="en-IN" dirty="0"/>
           </a:p>
@@ -3406,7 +3406,7 @@
           <a:p>
             <a:fld id="{40BFCB34-1D3A-4E3D-AF01-87C69294AC55}" type="datetimeFigureOut">
               <a:rPr lang="en-IN" smtClean="0"/>
-              <a:t>29-02-2024</a:t>
+              <a:t>08-06-2024</a:t>
             </a:fld>
             <a:endParaRPr lang="en-IN" dirty="0"/>
           </a:p>
@@ -3674,7 +3674,7 @@
           <a:p>
             <a:fld id="{40BFCB34-1D3A-4E3D-AF01-87C69294AC55}" type="datetimeFigureOut">
               <a:rPr lang="en-IN" smtClean="0"/>
-              <a:t>29-02-2024</a:t>
+              <a:t>08-06-2024</a:t>
             </a:fld>
             <a:endParaRPr lang="en-IN" dirty="0"/>
           </a:p>
@@ -4089,7 +4089,7 @@
           <a:p>
             <a:fld id="{40BFCB34-1D3A-4E3D-AF01-87C69294AC55}" type="datetimeFigureOut">
               <a:rPr lang="en-IN" smtClean="0"/>
-              <a:t>29-02-2024</a:t>
+              <a:t>08-06-2024</a:t>
             </a:fld>
             <a:endParaRPr lang="en-IN" dirty="0"/>
           </a:p>
@@ -4231,7 +4231,7 @@
           <a:p>
             <a:fld id="{40BFCB34-1D3A-4E3D-AF01-87C69294AC55}" type="datetimeFigureOut">
               <a:rPr lang="en-IN" smtClean="0"/>
-              <a:t>29-02-2024</a:t>
+              <a:t>08-06-2024</a:t>
             </a:fld>
             <a:endParaRPr lang="en-IN" dirty="0"/>
           </a:p>
@@ -4344,7 +4344,7 @@
           <a:p>
             <a:fld id="{40BFCB34-1D3A-4E3D-AF01-87C69294AC55}" type="datetimeFigureOut">
               <a:rPr lang="en-IN" smtClean="0"/>
-              <a:t>29-02-2024</a:t>
+              <a:t>08-06-2024</a:t>
             </a:fld>
             <a:endParaRPr lang="en-IN" dirty="0"/>
           </a:p>
@@ -4657,7 +4657,7 @@
           <a:p>
             <a:fld id="{40BFCB34-1D3A-4E3D-AF01-87C69294AC55}" type="datetimeFigureOut">
               <a:rPr lang="en-IN" smtClean="0"/>
-              <a:t>29-02-2024</a:t>
+              <a:t>08-06-2024</a:t>
             </a:fld>
             <a:endParaRPr lang="en-IN" dirty="0"/>
           </a:p>
@@ -4946,7 +4946,7 @@
           <a:p>
             <a:fld id="{40BFCB34-1D3A-4E3D-AF01-87C69294AC55}" type="datetimeFigureOut">
               <a:rPr lang="en-IN" smtClean="0"/>
-              <a:t>29-02-2024</a:t>
+              <a:t>08-06-2024</a:t>
             </a:fld>
             <a:endParaRPr lang="en-IN" dirty="0"/>
           </a:p>
@@ -5189,7 +5189,7 @@
           <a:p>
             <a:fld id="{40BFCB34-1D3A-4E3D-AF01-87C69294AC55}" type="datetimeFigureOut">
               <a:rPr lang="en-IN" smtClean="0"/>
-              <a:t>29-02-2024</a:t>
+              <a:t>08-06-2024</a:t>
             </a:fld>
             <a:endParaRPr lang="en-IN" dirty="0"/>
           </a:p>
@@ -5760,7 +5760,7 @@
           <a:p>
             <a:fld id="{53685DBC-317F-4C6B-AEE2-0BEBDE6560A6}" type="datetimeFigureOut">
               <a:rPr lang="en-US" smtClean="0"/>
-              <a:t>2/29/2024</a:t>
+              <a:t>6/8/2024</a:t>
             </a:fld>
             <a:endParaRPr lang="en-US" dirty="0"/>
           </a:p>
@@ -23968,12 +23968,9 @@
 </file>
 
 <file path=customXml/item1.xml><?xml version="1.0" encoding="utf-8"?>
-<?mso-contentType ?>
-<FormTemplates xmlns="http://schemas.microsoft.com/sharepoint/v3/contenttype/forms">
-  <Display>DocumentLibraryForm</Display>
-  <Edit>DocumentLibraryForm</Edit>
-  <New>DocumentLibraryForm</New>
-</FormTemplates>
+<p:properties xmlns:p="http://schemas.microsoft.com/office/2006/metadata/properties" xmlns:xsi="http://www.w3.org/2001/XMLSchema-instance" xmlns:pc="http://schemas.microsoft.com/office/infopath/2007/PartnerControls">
+  <documentManagement/>
+</p:properties>
 </file>
 
 <file path=customXml/item2.xml><?xml version="1.0" encoding="utf-8"?>
@@ -24173,15 +24170,26 @@
 </file>
 
 <file path=customXml/item3.xml><?xml version="1.0" encoding="utf-8"?>
-<p:properties xmlns:p="http://schemas.microsoft.com/office/2006/metadata/properties" xmlns:xsi="http://www.w3.org/2001/XMLSchema-instance" xmlns:pc="http://schemas.microsoft.com/office/infopath/2007/PartnerControls">
-  <documentManagement/>
-</p:properties>
+<?mso-contentType ?>
+<FormTemplates xmlns="http://schemas.microsoft.com/sharepoint/v3/contenttype/forms">
+  <Display>DocumentLibraryForm</Display>
+  <Edit>DocumentLibraryForm</Edit>
+  <New>DocumentLibraryForm</New>
+</FormTemplates>
 </file>
 
 <file path=customXml/itemProps1.xml><?xml version="1.0" encoding="utf-8"?>
-<ds:datastoreItem xmlns:ds="http://schemas.openxmlformats.org/officeDocument/2006/customXml" ds:itemID="{D9A29AA5-5937-490C-A495-D5C320512737}">
+<ds:datastoreItem xmlns:ds="http://schemas.openxmlformats.org/officeDocument/2006/customXml" ds:itemID="{EAC5C5E7-64B2-47F3-84A2-5A4A99E0956D}">
   <ds:schemaRefs>
-    <ds:schemaRef ds:uri="http://schemas.microsoft.com/sharepoint/v3/contenttype/forms"/>
+    <ds:schemaRef ds:uri="http://schemas.microsoft.com/office/2006/documentManagement/types"/>
+    <ds:schemaRef ds:uri="http://purl.org/dc/elements/1.1/"/>
+    <ds:schemaRef ds:uri="http://schemas.microsoft.com/office/infopath/2007/PartnerControls"/>
+    <ds:schemaRef ds:uri="http://schemas.openxmlformats.org/package/2006/metadata/core-properties"/>
+    <ds:schemaRef ds:uri="http://purl.org/dc/terms/"/>
+    <ds:schemaRef ds:uri="http://purl.org/dc/dcmitype/"/>
+    <ds:schemaRef ds:uri="0e1bb11d-1fe8-4e80-a80d-c671e8cd2a50"/>
+    <ds:schemaRef ds:uri="http://schemas.microsoft.com/office/2006/metadata/properties"/>
+    <ds:schemaRef ds:uri="http://www.w3.org/XML/1998/namespace"/>
   </ds:schemaRefs>
 </ds:datastoreItem>
 </file>
@@ -24205,17 +24213,9 @@
 </file>
 
 <file path=customXml/itemProps3.xml><?xml version="1.0" encoding="utf-8"?>
-<ds:datastoreItem xmlns:ds="http://schemas.openxmlformats.org/officeDocument/2006/customXml" ds:itemID="{EAC5C5E7-64B2-47F3-84A2-5A4A99E0956D}">
+<ds:datastoreItem xmlns:ds="http://schemas.openxmlformats.org/officeDocument/2006/customXml" ds:itemID="{D9A29AA5-5937-490C-A495-D5C320512737}">
   <ds:schemaRefs>
-    <ds:schemaRef ds:uri="http://schemas.microsoft.com/office/2006/documentManagement/types"/>
-    <ds:schemaRef ds:uri="http://purl.org/dc/elements/1.1/"/>
-    <ds:schemaRef ds:uri="http://schemas.microsoft.com/office/infopath/2007/PartnerControls"/>
-    <ds:schemaRef ds:uri="http://schemas.openxmlformats.org/package/2006/metadata/core-properties"/>
-    <ds:schemaRef ds:uri="http://purl.org/dc/terms/"/>
-    <ds:schemaRef ds:uri="http://purl.org/dc/dcmitype/"/>
-    <ds:schemaRef ds:uri="0e1bb11d-1fe8-4e80-a80d-c671e8cd2a50"/>
-    <ds:schemaRef ds:uri="http://schemas.microsoft.com/office/2006/metadata/properties"/>
-    <ds:schemaRef ds:uri="http://www.w3.org/XML/1998/namespace"/>
+    <ds:schemaRef ds:uri="http://schemas.microsoft.com/sharepoint/v3/contenttype/forms"/>
   </ds:schemaRefs>
 </ds:datastoreItem>
 </file>